--- a/docs/progress.pptx
+++ b/docs/progress.pptx
@@ -292,7 +292,7 @@
             <a:fld id="{87DE6118-2437-4B30-8E3C-4D2BE6020583}" type="datetimeFigureOut">
               <a:rPr lang="en-US" dirty="0"/>
               <a:pPr/>
-              <a:t>11/5/24</a:t>
+              <a:t>11/6/24</a:t>
             </a:fld>
             <a:endParaRPr lang="en-US" dirty="0"/>
           </a:p>
@@ -618,7 +618,7 @@
           <a:p>
             <a:fld id="{87DE6118-2437-4B30-8E3C-4D2BE6020583}" type="datetimeFigureOut">
               <a:rPr lang="en-US" dirty="0"/>
-              <a:t>11/5/24</a:t>
+              <a:t>11/6/24</a:t>
             </a:fld>
             <a:endParaRPr lang="en-US" dirty="0"/>
           </a:p>
@@ -793,7 +793,7 @@
           <a:p>
             <a:fld id="{87DE6118-2437-4B30-8E3C-4D2BE6020583}" type="datetimeFigureOut">
               <a:rPr lang="en-US" dirty="0"/>
-              <a:t>11/5/24</a:t>
+              <a:t>11/6/24</a:t>
             </a:fld>
             <a:endParaRPr lang="en-US" dirty="0"/>
           </a:p>
@@ -997,7 +997,7 @@
             <a:fld id="{87DE6118-2437-4B30-8E3C-4D2BE6020583}" type="datetimeFigureOut">
               <a:rPr lang="en-US" smtClean="0"/>
               <a:pPr/>
-              <a:t>11/5/24</a:t>
+              <a:t>11/6/24</a:t>
             </a:fld>
             <a:endParaRPr lang="en-US" dirty="0"/>
           </a:p>
@@ -1196,7 +1196,7 @@
           <a:p>
             <a:fld id="{87DE6118-2437-4B30-8E3C-4D2BE6020583}" type="datetimeFigureOut">
               <a:rPr lang="en-US" smtClean="0"/>
-              <a:t>11/5/24</a:t>
+              <a:t>11/6/24</a:t>
             </a:fld>
             <a:endParaRPr lang="en-US" dirty="0"/>
           </a:p>
@@ -1472,7 +1472,7 @@
             <a:fld id="{87DE6118-2437-4B30-8E3C-4D2BE6020583}" type="datetimeFigureOut">
               <a:rPr lang="en-US" smtClean="0"/>
               <a:pPr/>
-              <a:t>11/5/24</a:t>
+              <a:t>11/6/24</a:t>
             </a:fld>
             <a:endParaRPr lang="en-US" dirty="0"/>
           </a:p>
@@ -1738,7 +1738,7 @@
           <a:p>
             <a:fld id="{87DE6118-2437-4B30-8E3C-4D2BE6020583}" type="datetimeFigureOut">
               <a:rPr lang="en-US" smtClean="0"/>
-              <a:t>11/5/24</a:t>
+              <a:t>11/6/24</a:t>
             </a:fld>
             <a:endParaRPr lang="en-US" dirty="0"/>
           </a:p>
@@ -2150,7 +2150,7 @@
           <a:p>
             <a:fld id="{87DE6118-2437-4B30-8E3C-4D2BE6020583}" type="datetimeFigureOut">
               <a:rPr lang="en-US" smtClean="0"/>
-              <a:t>11/5/24</a:t>
+              <a:t>11/6/24</a:t>
             </a:fld>
             <a:endParaRPr lang="en-US" dirty="0"/>
           </a:p>
@@ -2291,7 +2291,7 @@
           <a:p>
             <a:fld id="{87DE6118-2437-4B30-8E3C-4D2BE6020583}" type="datetimeFigureOut">
               <a:rPr lang="en-US" smtClean="0"/>
-              <a:t>11/5/24</a:t>
+              <a:t>11/6/24</a:t>
             </a:fld>
             <a:endParaRPr lang="en-US" dirty="0"/>
           </a:p>
@@ -2404,7 +2404,7 @@
           <a:p>
             <a:fld id="{87DE6118-2437-4B30-8E3C-4D2BE6020583}" type="datetimeFigureOut">
               <a:rPr lang="en-US" smtClean="0"/>
-              <a:t>11/5/24</a:t>
+              <a:t>11/6/24</a:t>
             </a:fld>
             <a:endParaRPr lang="en-US" dirty="0"/>
           </a:p>
@@ -2716,7 +2716,7 @@
             <a:fld id="{87DE6118-2437-4B30-8E3C-4D2BE6020583}" type="datetimeFigureOut">
               <a:rPr lang="en-US" smtClean="0"/>
               <a:pPr/>
-              <a:t>11/5/24</a:t>
+              <a:t>11/6/24</a:t>
             </a:fld>
             <a:endParaRPr lang="en-US" dirty="0"/>
           </a:p>
@@ -2899,7 +2899,7 @@
           <a:p>
             <a:fld id="{87DE6118-2437-4B30-8E3C-4D2BE6020583}" type="datetimeFigureOut">
               <a:rPr lang="en-US" dirty="0"/>
-              <a:t>11/5/24</a:t>
+              <a:t>11/6/24</a:t>
             </a:fld>
             <a:endParaRPr lang="en-US" dirty="0"/>
           </a:p>
@@ -3171,7 +3171,7 @@
             <a:fld id="{87DE6118-2437-4B30-8E3C-4D2BE6020583}" type="datetimeFigureOut">
               <a:rPr lang="en-US" smtClean="0"/>
               <a:pPr/>
-              <a:t>11/5/24</a:t>
+              <a:t>11/6/24</a:t>
             </a:fld>
             <a:endParaRPr lang="en-US" dirty="0"/>
           </a:p>
@@ -3370,7 +3370,7 @@
           <a:p>
             <a:fld id="{87DE6118-2437-4B30-8E3C-4D2BE6020583}" type="datetimeFigureOut">
               <a:rPr lang="en-US" smtClean="0"/>
-              <a:t>11/5/24</a:t>
+              <a:t>11/6/24</a:t>
             </a:fld>
             <a:endParaRPr lang="en-US" dirty="0"/>
           </a:p>
@@ -3578,7 +3578,7 @@
           <a:p>
             <a:fld id="{87DE6118-2437-4B30-8E3C-4D2BE6020583}" type="datetimeFigureOut">
               <a:rPr lang="en-US" smtClean="0"/>
-              <a:t>11/5/24</a:t>
+              <a:t>11/6/24</a:t>
             </a:fld>
             <a:endParaRPr lang="en-US" dirty="0"/>
           </a:p>
@@ -3868,7 +3868,7 @@
             <a:fld id="{87DE6118-2437-4B30-8E3C-4D2BE6020583}" type="datetimeFigureOut">
               <a:rPr lang="en-US" dirty="0"/>
               <a:pPr/>
-              <a:t>11/5/24</a:t>
+              <a:t>11/6/24</a:t>
             </a:fld>
             <a:endParaRPr lang="en-US" dirty="0"/>
           </a:p>
@@ -4258,7 +4258,7 @@
           <a:p>
             <a:fld id="{87DE6118-2437-4B30-8E3C-4D2BE6020583}" type="datetimeFigureOut">
               <a:rPr lang="en-US" dirty="0"/>
-              <a:t>11/5/24</a:t>
+              <a:t>11/6/24</a:t>
             </a:fld>
             <a:endParaRPr lang="en-US" dirty="0"/>
           </a:p>
@@ -4730,7 +4730,7 @@
           <a:p>
             <a:fld id="{87DE6118-2437-4B30-8E3C-4D2BE6020583}" type="datetimeFigureOut">
               <a:rPr lang="en-US" dirty="0"/>
-              <a:t>11/5/24</a:t>
+              <a:t>11/6/24</a:t>
             </a:fld>
             <a:endParaRPr lang="en-US" dirty="0"/>
           </a:p>
@@ -4843,7 +4843,7 @@
           <a:p>
             <a:fld id="{87DE6118-2437-4B30-8E3C-4D2BE6020583}" type="datetimeFigureOut">
               <a:rPr lang="en-US" dirty="0"/>
-              <a:t>11/5/24</a:t>
+              <a:t>11/6/24</a:t>
             </a:fld>
             <a:endParaRPr lang="en-US" dirty="0"/>
           </a:p>
@@ -4933,7 +4933,7 @@
           <a:p>
             <a:fld id="{87DE6118-2437-4B30-8E3C-4D2BE6020583}" type="datetimeFigureOut">
               <a:rPr lang="en-US" dirty="0"/>
-              <a:t>11/5/24</a:t>
+              <a:t>11/6/24</a:t>
             </a:fld>
             <a:endParaRPr lang="en-US" dirty="0"/>
           </a:p>
@@ -5275,7 +5275,7 @@
             <a:fld id="{87DE6118-2437-4B30-8E3C-4D2BE6020583}" type="datetimeFigureOut">
               <a:rPr lang="en-US" dirty="0"/>
               <a:pPr/>
-              <a:t>11/5/24</a:t>
+              <a:t>11/6/24</a:t>
             </a:fld>
             <a:endParaRPr lang="en-US" dirty="0"/>
           </a:p>
@@ -5660,7 +5660,7 @@
             <a:fld id="{87DE6118-2437-4B30-8E3C-4D2BE6020583}" type="datetimeFigureOut">
               <a:rPr lang="en-US" dirty="0"/>
               <a:pPr/>
-              <a:t>11/5/24</a:t>
+              <a:t>11/6/24</a:t>
             </a:fld>
             <a:endParaRPr lang="en-US" dirty="0"/>
           </a:p>
@@ -5935,7 +5935,7 @@
             <a:fld id="{87DE6118-2437-4B30-8E3C-4D2BE6020583}" type="datetimeFigureOut">
               <a:rPr lang="en-US" dirty="0"/>
               <a:pPr/>
-              <a:t>11/5/24</a:t>
+              <a:t>11/6/24</a:t>
             </a:fld>
             <a:endParaRPr lang="en-US" dirty="0"/>
           </a:p>
@@ -6595,7 +6595,7 @@
             <a:fld id="{87DE6118-2437-4B30-8E3C-4D2BE6020583}" type="datetimeFigureOut">
               <a:rPr lang="en-US" smtClean="0"/>
               <a:pPr/>
-              <a:t>11/5/24</a:t>
+              <a:t>11/6/24</a:t>
             </a:fld>
             <a:endParaRPr lang="en-US" dirty="0"/>
           </a:p>
@@ -7535,13 +7535,13 @@
               </a:ext>
             </a:extLst>
           </a:blip>
-          <a:srcRect l="1146" t="1174" r="1499" b="1243"/>
+          <a:srcRect l="829" t="1172" r="1226" b="1022"/>
           <a:stretch/>
         </p:blipFill>
         <p:spPr>
           <a:xfrm>
-            <a:off x="1939391" y="91035"/>
-            <a:ext cx="8237693" cy="6675930"/>
+            <a:off x="1998134" y="169333"/>
+            <a:ext cx="8087360" cy="6529494"/>
           </a:xfrm>
         </p:spPr>
       </p:pic>
@@ -7672,13 +7672,13 @@
               </a:ext>
             </a:extLst>
           </a:blip>
-          <a:srcRect l="2400" t="1176" r="1311" b="24125"/>
+          <a:srcRect l="1246" t="460" r="1100" b="23193"/>
           <a:stretch/>
         </p:blipFill>
         <p:spPr>
           <a:xfrm>
-            <a:off x="2945501" y="64737"/>
-            <a:ext cx="7137175" cy="6724482"/>
+            <a:off x="3000587" y="120226"/>
+            <a:ext cx="6969760" cy="6617547"/>
           </a:xfrm>
         </p:spPr>
       </p:pic>
@@ -7696,7 +7696,7 @@
         </p:nvSpPr>
         <p:spPr>
           <a:xfrm>
-            <a:off x="6642848" y="4666129"/>
+            <a:off x="6642848" y="4584849"/>
             <a:ext cx="826993" cy="338554"/>
           </a:xfrm>
           <a:prstGeom prst="rect">
@@ -7846,7 +7846,7 @@
             <a:pPr lvl="1"/>
             <a:r>
               <a:rPr lang="en-US" dirty="0"/>
-              <a:t>“concepts of a plan”</a:t>
+              <a:t>Planned…</a:t>
             </a:r>
           </a:p>
         </p:txBody>
@@ -8229,7 +8229,7 @@
             <a:pPr lvl="2"/>
             <a:r>
               <a:rPr lang="en-US" dirty="0"/>
-              <a:t>macOS SDK</a:t>
+              <a:t>macOS SDK updates</a:t>
             </a:r>
           </a:p>
           <a:p>
@@ -8240,11 +8240,7 @@
             </a:r>
           </a:p>
           <a:p>
-            <a:pPr lvl="1"/>
-            <a:r>
-              <a:rPr lang="en-US" dirty="0"/>
-              <a:t>Car metaphor</a:t>
-            </a:r>
+            <a:endParaRPr lang="en-US" dirty="0"/>
           </a:p>
           <a:p>
             <a:r>
